--- a/Documents/Presentation/Mobile Motion Tracking Robot Arm poster.pptx
+++ b/Documents/Presentation/Mobile Motion Tracking Robot Arm poster.pptx
@@ -13,8 +13,8 @@
     <p:sldId id="263" r:id="rId4"/>
     <p:sldId id="264" r:id="rId5"/>
     <p:sldId id="266" r:id="rId6"/>
-    <p:sldId id="267" r:id="rId7"/>
-    <p:sldId id="268" r:id="rId8"/>
+    <p:sldId id="268" r:id="rId7"/>
+    <p:sldId id="267" r:id="rId8"/>
     <p:sldId id="269" r:id="rId9"/>
     <p:sldId id="270" r:id="rId10"/>
     <p:sldId id="271" r:id="rId11"/>
@@ -223,7 +223,7 @@
           <a:p>
             <a:fld id="{268F506D-26F5-4309-8499-7C58FB34B1C8}" type="datetimeFigureOut">
               <a:rPr lang="en-US" smtClean="0"/>
-              <a:t>4/18/2016</a:t>
+              <a:t>4/20/2016</a:t>
             </a:fld>
             <a:endParaRPr lang="en-US"/>
           </a:p>
@@ -535,7 +535,46 @@
           <a:bodyPr/>
           <a:lstStyle/>
           <a:p>
-            <a:endParaRPr lang="en-US" dirty="0"/>
+            <a:pPr marL="171450" indent="-171450">
+              <a:buFont typeface="Arial" panose="020B0604020202020204" pitchFamily="34" charset="0"/>
+              <a:buChar char="•"/>
+            </a:pPr>
+            <a:r>
+              <a:rPr lang="en-US" dirty="0" smtClean="0"/>
+              <a:t>Structured</a:t>
+            </a:r>
+            <a:r>
+              <a:rPr lang="en-US" baseline="0" dirty="0" smtClean="0"/>
+              <a:t> light: IR emitter emits pattern of infrared light, pattern gets distorted by objects in room.  IR Depth Sensor detects distortions and uses it to create depth map.</a:t>
+            </a:r>
+          </a:p>
+          <a:p>
+            <a:pPr marL="171450" marR="0" indent="-171450" algn="l" defTabSz="914400" rtl="0" eaLnBrk="1" fontAlgn="auto" latinLnBrk="0" hangingPunct="1">
+              <a:lnSpc>
+                <a:spcPct val="100000"/>
+              </a:lnSpc>
+              <a:spcBef>
+                <a:spcPts val="0"/>
+              </a:spcBef>
+              <a:spcAft>
+                <a:spcPts val="0"/>
+              </a:spcAft>
+              <a:buClrTx/>
+              <a:buSzTx/>
+              <a:buFont typeface="Arial" panose="020B0604020202020204" pitchFamily="34" charset="0"/>
+              <a:buChar char="•"/>
+              <a:tabLst/>
+              <a:defRPr/>
+            </a:pPr>
+            <a:r>
+              <a:rPr lang="en-US" dirty="0" smtClean="0"/>
+              <a:t>Depth map passed through machine learning algorithm</a:t>
+            </a:r>
+            <a:r>
+              <a:rPr lang="en-US" baseline="0" dirty="0" smtClean="0"/>
+              <a:t> to determine body positions in the room.</a:t>
+            </a:r>
+            <a:endParaRPr lang="en-US" dirty="0" smtClean="0"/>
           </a:p>
         </p:txBody>
       </p:sp>
@@ -744,7 +783,7 @@
           <a:p>
             <a:fld id="{7903C747-3FF6-48D2-B6AA-BDBF9050E76E}" type="datetimeFigureOut">
               <a:rPr lang="en-US" smtClean="0"/>
-              <a:t>4/18/2016</a:t>
+              <a:t>4/20/2016</a:t>
             </a:fld>
             <a:endParaRPr lang="en-US"/>
           </a:p>
@@ -1074,7 +1113,7 @@
           <a:p>
             <a:fld id="{7903C747-3FF6-48D2-B6AA-BDBF9050E76E}" type="datetimeFigureOut">
               <a:rPr lang="en-US" smtClean="0"/>
-              <a:t>4/18/2016</a:t>
+              <a:t>4/20/2016</a:t>
             </a:fld>
             <a:endParaRPr lang="en-US"/>
           </a:p>
@@ -1254,7 +1293,7 @@
           <a:p>
             <a:fld id="{7903C747-3FF6-48D2-B6AA-BDBF9050E76E}" type="datetimeFigureOut">
               <a:rPr lang="en-US" smtClean="0"/>
-              <a:t>4/18/2016</a:t>
+              <a:t>4/20/2016</a:t>
             </a:fld>
             <a:endParaRPr lang="en-US"/>
           </a:p>
@@ -1424,7 +1463,7 @@
           <a:p>
             <a:fld id="{7903C747-3FF6-48D2-B6AA-BDBF9050E76E}" type="datetimeFigureOut">
               <a:rPr lang="en-US" smtClean="0"/>
-              <a:t>4/18/2016</a:t>
+              <a:t>4/20/2016</a:t>
             </a:fld>
             <a:endParaRPr lang="en-US"/>
           </a:p>
@@ -1701,7 +1740,7 @@
           <a:p>
             <a:fld id="{7903C747-3FF6-48D2-B6AA-BDBF9050E76E}" type="datetimeFigureOut">
               <a:rPr lang="en-US" smtClean="0"/>
-              <a:t>4/18/2016</a:t>
+              <a:t>4/20/2016</a:t>
             </a:fld>
             <a:endParaRPr lang="en-US"/>
           </a:p>
@@ -2151,7 +2190,7 @@
           <a:p>
             <a:fld id="{7903C747-3FF6-48D2-B6AA-BDBF9050E76E}" type="datetimeFigureOut">
               <a:rPr lang="en-US" smtClean="0"/>
-              <a:t>4/18/2016</a:t>
+              <a:t>4/20/2016</a:t>
             </a:fld>
             <a:endParaRPr lang="en-US"/>
           </a:p>
@@ -2628,7 +2667,7 @@
           <a:p>
             <a:fld id="{7903C747-3FF6-48D2-B6AA-BDBF9050E76E}" type="datetimeFigureOut">
               <a:rPr lang="en-US" smtClean="0"/>
-              <a:t>4/18/2016</a:t>
+              <a:t>4/20/2016</a:t>
             </a:fld>
             <a:endParaRPr lang="en-US"/>
           </a:p>
@@ -2746,7 +2785,7 @@
           <a:p>
             <a:fld id="{7903C747-3FF6-48D2-B6AA-BDBF9050E76E}" type="datetimeFigureOut">
               <a:rPr lang="en-US" smtClean="0"/>
-              <a:t>4/18/2016</a:t>
+              <a:t>4/20/2016</a:t>
             </a:fld>
             <a:endParaRPr lang="en-US"/>
           </a:p>
@@ -2841,7 +2880,7 @@
           <a:p>
             <a:fld id="{7903C747-3FF6-48D2-B6AA-BDBF9050E76E}" type="datetimeFigureOut">
               <a:rPr lang="en-US" smtClean="0"/>
-              <a:t>4/18/2016</a:t>
+              <a:t>4/20/2016</a:t>
             </a:fld>
             <a:endParaRPr lang="en-US"/>
           </a:p>
@@ -3189,7 +3228,7 @@
           <a:p>
             <a:fld id="{7903C747-3FF6-48D2-B6AA-BDBF9050E76E}" type="datetimeFigureOut">
               <a:rPr lang="en-US" smtClean="0"/>
-              <a:t>4/18/2016</a:t>
+              <a:t>4/20/2016</a:t>
             </a:fld>
             <a:endParaRPr lang="en-US"/>
           </a:p>
@@ -3617,7 +3656,7 @@
           <a:p>
             <a:fld id="{7903C747-3FF6-48D2-B6AA-BDBF9050E76E}" type="datetimeFigureOut">
               <a:rPr lang="en-US" smtClean="0"/>
-              <a:t>4/18/2016</a:t>
+              <a:t>4/20/2016</a:t>
             </a:fld>
             <a:endParaRPr lang="en-US"/>
           </a:p>
@@ -3933,7 +3972,7 @@
           <a:p>
             <a:fld id="{7903C747-3FF6-48D2-B6AA-BDBF9050E76E}" type="datetimeFigureOut">
               <a:rPr lang="en-US" smtClean="0"/>
-              <a:t>4/18/2016</a:t>
+              <a:t>4/20/2016</a:t>
             </a:fld>
             <a:endParaRPr lang="en-US"/>
           </a:p>
@@ -4540,7 +4579,13 @@
           <a:p>
             <a:r>
               <a:rPr lang="en-US" dirty="0" smtClean="0"/>
-              <a:t>Jeffery Ruocco (Computer Engineer), Jeffrey </a:t>
+              <a:t>Jeffery Ruocco (Computer Engineer) </a:t>
+            </a:r>
+          </a:p>
+          <a:p>
+            <a:r>
+              <a:rPr lang="en-US" dirty="0" smtClean="0"/>
+              <a:t>Jeffrey </a:t>
             </a:r>
             <a:r>
               <a:rPr lang="en-US" dirty="0" err="1" smtClean="0"/>
@@ -4548,8 +4593,10 @@
             </a:r>
             <a:r>
               <a:rPr lang="en-US" dirty="0" smtClean="0"/>
-              <a:t> (Computer Engineer), and </a:t>
-            </a:r>
+              <a:t> (Computer Engineer)</a:t>
+            </a:r>
+          </a:p>
+          <a:p>
             <a:r>
               <a:rPr lang="en-US" dirty="0" err="1" smtClean="0"/>
               <a:t>Getro</a:t>
@@ -4730,13 +4777,8 @@
           <a:p>
             <a:r>
               <a:rPr lang="en-US" dirty="0" smtClean="0"/>
-              <a:t>Skeletal </a:t>
-            </a:r>
-            <a:r>
-              <a:rPr lang="en-US" dirty="0" smtClean="0"/>
-              <a:t>tracking using SDK</a:t>
-            </a:r>
-            <a:endParaRPr lang="en-US" dirty="0" smtClean="0"/>
+              <a:t>Skeletal tracking using SDK</a:t>
+            </a:r>
           </a:p>
           <a:p>
             <a:r>
@@ -5367,13 +5409,13 @@
           <a:p>
             <a:r>
               <a:rPr lang="en-US" sz="2800" dirty="0" smtClean="0"/>
-              <a:t>Create a mobile robot arm that is controllable through motion tracking</a:t>
+              <a:t>Create a mobile robot arm that is controlled by motion tracking</a:t>
             </a:r>
           </a:p>
           <a:p>
             <a:r>
               <a:rPr lang="en-US" sz="2800" dirty="0" smtClean="0"/>
-              <a:t>Allow the user to control the arm and platform from a distance</a:t>
+              <a:t>Allow the user to control the arm and direct the platform from a distance</a:t>
             </a:r>
           </a:p>
           <a:p>
@@ -5444,29 +5486,36 @@
           </a:p>
         </p:txBody>
       </p:sp>
-      <p:sp>
-        <p:nvSpPr>
-          <p:cNvPr id="3" name="Content Placeholder 2"/>
-          <p:cNvSpPr>
-            <a:spLocks noGrp="1"/>
-          </p:cNvSpPr>
-          <p:nvPr>
-            <p:ph idx="1"/>
-          </p:nvPr>
-        </p:nvSpPr>
-        <p:spPr/>
-        <p:txBody>
-          <a:bodyPr/>
-          <a:lstStyle/>
-          <a:p>
-            <a:r>
-              <a:rPr lang="en-US" i="1" dirty="0" smtClean="0"/>
-              <a:t>Hierarchy of system and subsystems</a:t>
-            </a:r>
-            <a:endParaRPr lang="en-US" i="1" dirty="0"/>
-          </a:p>
-        </p:txBody>
-      </p:sp>
+      <p:pic>
+        <p:nvPicPr>
+          <p:cNvPr id="7" name="Picture 6"/>
+          <p:cNvPicPr>
+            <a:picLocks noChangeAspect="1"/>
+          </p:cNvPicPr>
+          <p:nvPr/>
+        </p:nvPicPr>
+        <p:blipFill>
+          <a:blip r:embed="rId2">
+            <a:extLst>
+              <a:ext uri="{28A0092B-C50C-407E-A947-70E740481C1C}">
+                <a14:useLocalDpi xmlns:a14="http://schemas.microsoft.com/office/drawing/2010/main" val="0"/>
+              </a:ext>
+            </a:extLst>
+          </a:blip>
+          <a:stretch>
+            <a:fillRect/>
+          </a:stretch>
+        </p:blipFill>
+        <p:spPr>
+          <a:xfrm>
+            <a:off x="685800" y="2362200"/>
+            <a:ext cx="8256260" cy="3124200"/>
+          </a:xfrm>
+          <a:prstGeom prst="rect">
+            <a:avLst/>
+          </a:prstGeom>
+        </p:spPr>
+      </p:pic>
     </p:spTree>
     <p:extLst>
       <p:ext uri="{BB962C8B-B14F-4D97-AF65-F5344CB8AC3E}">
@@ -5574,7 +5623,6 @@
               <a:rPr lang="en-US" dirty="0" smtClean="0"/>
               <a:t>Kinect for Windows SDK v1.8</a:t>
             </a:r>
-            <a:endParaRPr lang="en-US" dirty="0" smtClean="0"/>
           </a:p>
         </p:txBody>
       </p:sp>
@@ -5714,7 +5762,6 @@
               <a:rPr lang="en-US" dirty="0" smtClean="0"/>
               <a:t>Can lift up to 10oz at full reach</a:t>
             </a:r>
-            <a:endParaRPr lang="en-US" dirty="0" smtClean="0"/>
           </a:p>
         </p:txBody>
       </p:sp>
@@ -5813,7 +5860,7 @@
           <a:p>
             <a:r>
               <a:rPr lang="en-US" dirty="0" smtClean="0"/>
-              <a:t>Mobile Platform</a:t>
+              <a:t>SSC-32U Servo Controller</a:t>
             </a:r>
             <a:endParaRPr lang="en-US" dirty="0"/>
           </a:p>
@@ -5836,21 +5883,29 @@
           <a:p>
             <a:r>
               <a:rPr lang="en-US" dirty="0" smtClean="0"/>
-              <a:t>Four </a:t>
-            </a:r>
-            <a:r>
-              <a:rPr lang="en-US" dirty="0" err="1" smtClean="0"/>
-              <a:t>FeeTech</a:t>
-            </a:r>
+              <a:t>Accepts string commands</a:t>
+            </a:r>
+          </a:p>
+          <a:p>
             <a:r>
               <a:rPr lang="en-US" dirty="0" smtClean="0"/>
-              <a:t> continuous servos, one for each wheel (4WD)</a:t>
+              <a:t>3-pin servo connector</a:t>
             </a:r>
           </a:p>
           <a:p>
             <a:r>
               <a:rPr lang="en-US" dirty="0" smtClean="0"/>
-              <a:t>One aluminum panel and two aluminum channels</a:t>
+              <a:t>Power </a:t>
+            </a:r>
+            <a:r>
+              <a:rPr lang="en-US" dirty="0" smtClean="0"/>
+              <a:t>requirements</a:t>
+            </a:r>
+          </a:p>
+          <a:p>
+            <a:r>
+              <a:rPr lang="en-US" dirty="0" smtClean="0"/>
+              <a:t>9600 Baud rate</a:t>
             </a:r>
             <a:endParaRPr lang="en-US" dirty="0"/>
           </a:p>
@@ -5859,7 +5914,7 @@
     </p:spTree>
     <p:extLst>
       <p:ext uri="{BB962C8B-B14F-4D97-AF65-F5344CB8AC3E}">
-        <p14:creationId xmlns:p14="http://schemas.microsoft.com/office/powerpoint/2010/main" val="2249921091"/>
+        <p14:creationId xmlns:p14="http://schemas.microsoft.com/office/powerpoint/2010/main" val="2632250090"/>
       </p:ext>
     </p:extLst>
   </p:cSld>
@@ -5910,7 +5965,7 @@
           <a:p>
             <a:r>
               <a:rPr lang="en-US" dirty="0" smtClean="0"/>
-              <a:t>SSC-32U Servo Controller</a:t>
+              <a:t>Mobile Platform</a:t>
             </a:r>
             <a:endParaRPr lang="en-US" dirty="0"/>
           </a:p>
@@ -5933,19 +5988,21 @@
           <a:p>
             <a:r>
               <a:rPr lang="en-US" dirty="0" smtClean="0"/>
-              <a:t>Accepts string commands</a:t>
-            </a:r>
-          </a:p>
-          <a:p>
+              <a:t>Four </a:t>
+            </a:r>
+            <a:r>
+              <a:rPr lang="en-US" dirty="0" err="1" smtClean="0"/>
+              <a:t>FeeTech</a:t>
+            </a:r>
             <a:r>
               <a:rPr lang="en-US" dirty="0" smtClean="0"/>
-              <a:t>3-pin servo connector</a:t>
+              <a:t> continuous servos, one for each wheel (4WD)</a:t>
             </a:r>
           </a:p>
           <a:p>
             <a:r>
               <a:rPr lang="en-US" dirty="0" smtClean="0"/>
-              <a:t>Power requirements</a:t>
+              <a:t>One aluminum panel and two aluminum channels</a:t>
             </a:r>
             <a:endParaRPr lang="en-US" dirty="0"/>
           </a:p>
@@ -5954,7 +6011,7 @@
     </p:spTree>
     <p:extLst>
       <p:ext uri="{BB962C8B-B14F-4D97-AF65-F5344CB8AC3E}">
-        <p14:creationId xmlns:p14="http://schemas.microsoft.com/office/powerpoint/2010/main" val="2632250090"/>
+        <p14:creationId xmlns:p14="http://schemas.microsoft.com/office/powerpoint/2010/main" val="2249921091"/>
       </p:ext>
     </p:extLst>
   </p:cSld>
@@ -6034,9 +6091,12 @@
           <a:p>
             <a:r>
               <a:rPr lang="en-US" dirty="0" smtClean="0"/>
-              <a:t>I/O pins</a:t>
-            </a:r>
-            <a:endParaRPr lang="en-US" dirty="0"/>
+              <a:t>I/O </a:t>
+            </a:r>
+            <a:r>
+              <a:rPr lang="en-US" dirty="0" smtClean="0"/>
+              <a:t>pins</a:t>
+            </a:r>
           </a:p>
         </p:txBody>
       </p:sp>
@@ -6131,7 +6191,18 @@
               <a:rPr lang="en-US" dirty="0" err="1" smtClean="0"/>
               <a:t>Xbee</a:t>
             </a:r>
-            <a:endParaRPr lang="en-US" dirty="0"/>
+            <a:endParaRPr lang="en-US" dirty="0" smtClean="0"/>
+          </a:p>
+          <a:p>
+            <a:r>
+              <a:rPr lang="en-US" dirty="0" smtClean="0"/>
+              <a:t>Configured to transmitter </a:t>
+            </a:r>
+            <a:r>
+              <a:rPr lang="en-US" smtClean="0"/>
+              <a:t>and receiver</a:t>
+            </a:r>
+            <a:endParaRPr lang="en-US" dirty="0" smtClean="0"/>
           </a:p>
         </p:txBody>
       </p:sp>

--- a/Documents/Presentation/Mobile Motion Tracking Robot Arm poster.pptx
+++ b/Documents/Presentation/Mobile Motion Tracking Robot Arm poster.pptx
@@ -223,7 +223,7 @@
           <a:p>
             <a:fld id="{268F506D-26F5-4309-8499-7C58FB34B1C8}" type="datetimeFigureOut">
               <a:rPr lang="en-US" smtClean="0"/>
-              <a:t>4/20/2016</a:t>
+              <a:t>4/25/2016</a:t>
             </a:fld>
             <a:endParaRPr lang="en-US"/>
           </a:p>
@@ -783,7 +783,7 @@
           <a:p>
             <a:fld id="{7903C747-3FF6-48D2-B6AA-BDBF9050E76E}" type="datetimeFigureOut">
               <a:rPr lang="en-US" smtClean="0"/>
-              <a:t>4/20/2016</a:t>
+              <a:t>4/25/2016</a:t>
             </a:fld>
             <a:endParaRPr lang="en-US"/>
           </a:p>
@@ -1113,7 +1113,7 @@
           <a:p>
             <a:fld id="{7903C747-3FF6-48D2-B6AA-BDBF9050E76E}" type="datetimeFigureOut">
               <a:rPr lang="en-US" smtClean="0"/>
-              <a:t>4/20/2016</a:t>
+              <a:t>4/25/2016</a:t>
             </a:fld>
             <a:endParaRPr lang="en-US"/>
           </a:p>
@@ -1293,7 +1293,7 @@
           <a:p>
             <a:fld id="{7903C747-3FF6-48D2-B6AA-BDBF9050E76E}" type="datetimeFigureOut">
               <a:rPr lang="en-US" smtClean="0"/>
-              <a:t>4/20/2016</a:t>
+              <a:t>4/25/2016</a:t>
             </a:fld>
             <a:endParaRPr lang="en-US"/>
           </a:p>
@@ -1463,7 +1463,7 @@
           <a:p>
             <a:fld id="{7903C747-3FF6-48D2-B6AA-BDBF9050E76E}" type="datetimeFigureOut">
               <a:rPr lang="en-US" smtClean="0"/>
-              <a:t>4/20/2016</a:t>
+              <a:t>4/25/2016</a:t>
             </a:fld>
             <a:endParaRPr lang="en-US"/>
           </a:p>
@@ -1740,7 +1740,7 @@
           <a:p>
             <a:fld id="{7903C747-3FF6-48D2-B6AA-BDBF9050E76E}" type="datetimeFigureOut">
               <a:rPr lang="en-US" smtClean="0"/>
-              <a:t>4/20/2016</a:t>
+              <a:t>4/25/2016</a:t>
             </a:fld>
             <a:endParaRPr lang="en-US"/>
           </a:p>
@@ -2190,7 +2190,7 @@
           <a:p>
             <a:fld id="{7903C747-3FF6-48D2-B6AA-BDBF9050E76E}" type="datetimeFigureOut">
               <a:rPr lang="en-US" smtClean="0"/>
-              <a:t>4/20/2016</a:t>
+              <a:t>4/25/2016</a:t>
             </a:fld>
             <a:endParaRPr lang="en-US"/>
           </a:p>
@@ -2667,7 +2667,7 @@
           <a:p>
             <a:fld id="{7903C747-3FF6-48D2-B6AA-BDBF9050E76E}" type="datetimeFigureOut">
               <a:rPr lang="en-US" smtClean="0"/>
-              <a:t>4/20/2016</a:t>
+              <a:t>4/25/2016</a:t>
             </a:fld>
             <a:endParaRPr lang="en-US"/>
           </a:p>
@@ -2785,7 +2785,7 @@
           <a:p>
             <a:fld id="{7903C747-3FF6-48D2-B6AA-BDBF9050E76E}" type="datetimeFigureOut">
               <a:rPr lang="en-US" smtClean="0"/>
-              <a:t>4/20/2016</a:t>
+              <a:t>4/25/2016</a:t>
             </a:fld>
             <a:endParaRPr lang="en-US"/>
           </a:p>
@@ -2880,7 +2880,7 @@
           <a:p>
             <a:fld id="{7903C747-3FF6-48D2-B6AA-BDBF9050E76E}" type="datetimeFigureOut">
               <a:rPr lang="en-US" smtClean="0"/>
-              <a:t>4/20/2016</a:t>
+              <a:t>4/25/2016</a:t>
             </a:fld>
             <a:endParaRPr lang="en-US"/>
           </a:p>
@@ -3228,7 +3228,7 @@
           <a:p>
             <a:fld id="{7903C747-3FF6-48D2-B6AA-BDBF9050E76E}" type="datetimeFigureOut">
               <a:rPr lang="en-US" smtClean="0"/>
-              <a:t>4/20/2016</a:t>
+              <a:t>4/25/2016</a:t>
             </a:fld>
             <a:endParaRPr lang="en-US"/>
           </a:p>
@@ -3656,7 +3656,7 @@
           <a:p>
             <a:fld id="{7903C747-3FF6-48D2-B6AA-BDBF9050E76E}" type="datetimeFigureOut">
               <a:rPr lang="en-US" smtClean="0"/>
-              <a:t>4/20/2016</a:t>
+              <a:t>4/25/2016</a:t>
             </a:fld>
             <a:endParaRPr lang="en-US"/>
           </a:p>
@@ -3972,7 +3972,7 @@
           <a:p>
             <a:fld id="{7903C747-3FF6-48D2-B6AA-BDBF9050E76E}" type="datetimeFigureOut">
               <a:rPr lang="en-US" smtClean="0"/>
-              <a:t>4/20/2016</a:t>
+              <a:t>4/25/2016</a:t>
             </a:fld>
             <a:endParaRPr lang="en-US"/>
           </a:p>
@@ -4696,7 +4696,29 @@
           <a:bodyPr/>
           <a:lstStyle/>
           <a:p>
-            <a:endParaRPr lang="en-US"/>
+            <a:r>
+              <a:rPr lang="en-US" dirty="0" smtClean="0"/>
+              <a:t>Power</a:t>
+            </a:r>
+          </a:p>
+          <a:p>
+            <a:r>
+              <a:rPr lang="en-US" dirty="0" smtClean="0"/>
+              <a:t>Range</a:t>
+            </a:r>
+          </a:p>
+          <a:p>
+            <a:r>
+              <a:rPr lang="en-US" dirty="0" smtClean="0"/>
+              <a:t>Resolution + fps</a:t>
+            </a:r>
+          </a:p>
+          <a:p>
+            <a:r>
+              <a:rPr lang="en-US" dirty="0" smtClean="0"/>
+              <a:t>130 degree field of view</a:t>
+            </a:r>
+            <a:endParaRPr lang="en-US" dirty="0"/>
           </a:p>
         </p:txBody>
       </p:sp>
@@ -4923,8 +4945,23 @@
           <a:p>
             <a:r>
               <a:rPr lang="en-US" dirty="0" smtClean="0"/>
-              <a:t>IK calculations</a:t>
-            </a:r>
+              <a:t>IK </a:t>
+            </a:r>
+            <a:r>
+              <a:rPr lang="en-US" dirty="0" smtClean="0"/>
+              <a:t>calculations – what is IK?</a:t>
+            </a:r>
+          </a:p>
+          <a:p>
+            <a:r>
+              <a:rPr lang="en-US" dirty="0" smtClean="0"/>
+              <a:t>Linear </a:t>
+            </a:r>
+            <a:r>
+              <a:rPr lang="en-US" smtClean="0"/>
+              <a:t>regression calculations</a:t>
+            </a:r>
+            <a:endParaRPr lang="en-US" dirty="0" smtClean="0"/>
           </a:p>
           <a:p>
             <a:r>
@@ -5895,11 +5932,7 @@
           <a:p>
             <a:r>
               <a:rPr lang="en-US" dirty="0" smtClean="0"/>
-              <a:t>Power </a:t>
-            </a:r>
-            <a:r>
-              <a:rPr lang="en-US" dirty="0" smtClean="0"/>
-              <a:t>requirements</a:t>
+              <a:t>Power requirements</a:t>
             </a:r>
           </a:p>
           <a:p>
@@ -6091,11 +6124,7 @@
           <a:p>
             <a:r>
               <a:rPr lang="en-US" dirty="0" smtClean="0"/>
-              <a:t>I/O </a:t>
-            </a:r>
-            <a:r>
-              <a:rPr lang="en-US" dirty="0" smtClean="0"/>
-              <a:t>pins</a:t>
+              <a:t>I/O pins</a:t>
             </a:r>
           </a:p>
         </p:txBody>
@@ -6196,11 +6225,17 @@
           <a:p>
             <a:r>
               <a:rPr lang="en-US" dirty="0" smtClean="0"/>
-              <a:t>Configured to transmitter </a:t>
-            </a:r>
-            <a:r>
-              <a:rPr lang="en-US" smtClean="0"/>
-              <a:t>and receiver</a:t>
+              <a:t>Configured to transmitter and </a:t>
+            </a:r>
+            <a:r>
+              <a:rPr lang="en-US" dirty="0" smtClean="0"/>
+              <a:t>receiver</a:t>
+            </a:r>
+          </a:p>
+          <a:p>
+            <a:r>
+              <a:rPr lang="en-US" dirty="0" smtClean="0"/>
+              <a:t>Ranges</a:t>
             </a:r>
             <a:endParaRPr lang="en-US" dirty="0" smtClean="0"/>
           </a:p>
